--- a/ppt/understand-javascript-in-depth(part 2).pptx
+++ b/ppt/understand-javascript-in-depth(part 2).pptx
@@ -269,7 +269,7 @@
             <a:fld id="{D83FDC75-7F73-4A4A-A77C-09AADF00E0EA}" type="datetimeFigureOut">
               <a:rPr lang="en-US" smtClean="0"/>
               <a:pPr/>
-              <a:t>17/12/19</a:t>
+              <a:t>18/6/3</a:t>
             </a:fld>
             <a:endParaRPr lang="en-US" dirty="0"/>
           </a:p>
@@ -436,7 +436,7 @@
             <a:fld id="{48AEF76B-3757-4A0B-AF93-28494465C1DD}" type="datetimeFigureOut">
               <a:rPr lang="en-US" smtClean="0"/>
               <a:pPr/>
-              <a:t>17/12/19</a:t>
+              <a:t>18/6/3</a:t>
             </a:fld>
             <a:endParaRPr lang="en-US" dirty="0"/>
           </a:p>
@@ -4944,7 +4944,7 @@
             <a:fld id="{757B281C-5159-4971-8228-52B9A72E9ED2}" type="datetimeFigureOut">
               <a:rPr kumimoji="0" lang="en-US" smtClean="0"/>
               <a:pPr/>
-              <a:t>17/12/19</a:t>
+              <a:t>18/6/3</a:t>
             </a:fld>
             <a:endParaRPr kumimoji="0" lang="en-US" dirty="0"/>
           </a:p>
@@ -5046,7 +5046,7 @@
             <a:fld id="{757B281C-5159-4971-8228-52B9A72E9ED2}" type="datetimeFigureOut">
               <a:rPr kumimoji="0" lang="en-US" smtClean="0"/>
               <a:pPr/>
-              <a:t>17/12/19</a:t>
+              <a:t>18/6/3</a:t>
             </a:fld>
             <a:endParaRPr kumimoji="0" lang="en-US" dirty="0"/>
           </a:p>
@@ -5182,7 +5182,7 @@
             <a:fld id="{757B281C-5159-4971-8228-52B9A72E9ED2}" type="datetimeFigureOut">
               <a:rPr kumimoji="0" lang="en-US" smtClean="0"/>
               <a:pPr/>
-              <a:t>17/12/19</a:t>
+              <a:t>18/6/3</a:t>
             </a:fld>
             <a:endParaRPr kumimoji="0" lang="en-US" dirty="0"/>
           </a:p>
@@ -5388,7 +5388,7 @@
             <a:fld id="{757B281C-5159-4971-8228-52B9A72E9ED2}" type="datetimeFigureOut">
               <a:rPr kumimoji="0" lang="en-US" smtClean="0"/>
               <a:pPr/>
-              <a:t>17/12/19</a:t>
+              <a:t>18/6/3</a:t>
             </a:fld>
             <a:endParaRPr kumimoji="0" lang="en-US" dirty="0"/>
           </a:p>
@@ -5787,7 +5787,7 @@
             <a:fld id="{757B281C-5159-4971-8228-52B9A72E9ED2}" type="datetimeFigureOut">
               <a:rPr kumimoji="0" lang="en-US" smtClean="0"/>
               <a:pPr/>
-              <a:t>17/12/19</a:t>
+              <a:t>18/6/3</a:t>
             </a:fld>
             <a:endParaRPr kumimoji="0" lang="en-US" dirty="0"/>
           </a:p>
@@ -6088,7 +6088,7 @@
             <a:fld id="{757B281C-5159-4971-8228-52B9A72E9ED2}" type="datetimeFigureOut">
               <a:rPr kumimoji="0" lang="en-US" smtClean="0"/>
               <a:pPr/>
-              <a:t>17/12/19</a:t>
+              <a:t>18/6/3</a:t>
             </a:fld>
             <a:endParaRPr kumimoji="0" lang="en-US" dirty="0"/>
           </a:p>
@@ -6518,7 +6518,7 @@
             <a:fld id="{757B281C-5159-4971-8228-52B9A72E9ED2}" type="datetimeFigureOut">
               <a:rPr kumimoji="0" lang="en-US" smtClean="0"/>
               <a:pPr/>
-              <a:t>17/12/19</a:t>
+              <a:t>18/6/3</a:t>
             </a:fld>
             <a:endParaRPr kumimoji="0" lang="en-US" dirty="0"/>
           </a:p>
@@ -6796,7 +6796,7 @@
             <a:fld id="{757B281C-5159-4971-8228-52B9A72E9ED2}" type="datetimeFigureOut">
               <a:rPr kumimoji="0" lang="en-US" smtClean="0"/>
               <a:pPr/>
-              <a:t>17/12/19</a:t>
+              <a:t>18/6/3</a:t>
             </a:fld>
             <a:endParaRPr kumimoji="0" lang="en-US" dirty="0"/>
           </a:p>
@@ -7062,7 +7062,7 @@
             <a:fld id="{757B281C-5159-4971-8228-52B9A72E9ED2}" type="datetimeFigureOut">
               <a:rPr kumimoji="0" lang="en-US" smtClean="0"/>
               <a:pPr/>
-              <a:t>17/12/19</a:t>
+              <a:t>18/6/3</a:t>
             </a:fld>
             <a:endParaRPr kumimoji="0" lang="en-US" dirty="0"/>
           </a:p>
@@ -7233,7 +7233,7 @@
             <a:fld id="{757B281C-5159-4971-8228-52B9A72E9ED2}" type="datetimeFigureOut">
               <a:rPr kumimoji="0" lang="en-US" smtClean="0"/>
               <a:pPr/>
-              <a:t>17/12/19</a:t>
+              <a:t>18/6/3</a:t>
             </a:fld>
             <a:endParaRPr kumimoji="0" lang="en-US" dirty="0"/>
           </a:p>
@@ -7414,7 +7414,7 @@
             <a:fld id="{757B281C-5159-4971-8228-52B9A72E9ED2}" type="datetimeFigureOut">
               <a:rPr kumimoji="0" lang="en-US" smtClean="0"/>
               <a:pPr/>
-              <a:t>17/12/19</a:t>
+              <a:t>18/6/3</a:t>
             </a:fld>
             <a:endParaRPr kumimoji="0" lang="en-US" dirty="0"/>
           </a:p>
@@ -7657,7 +7657,7 @@
             <a:fld id="{757B281C-5159-4971-8228-52B9A72E9ED2}" type="datetimeFigureOut">
               <a:rPr kumimoji="0" lang="en-US" smtClean="0"/>
               <a:pPr/>
-              <a:t>17/12/19</a:t>
+              <a:t>18/6/3</a:t>
             </a:fld>
             <a:endParaRPr kumimoji="0" lang="en-US" dirty="0"/>
           </a:p>
@@ -8343,15 +8343,7 @@
                 <a:ea typeface="Hei"/>
                 <a:cs typeface="Hei"/>
               </a:rPr>
-              <a:t>创建任务后，</a:t>
-            </a:r>
-            <a:r>
-              <a:rPr lang="zh-CN" altLang="en-US" sz="3200" dirty="0" smtClean="0">
-                <a:latin typeface="Hei"/>
-                <a:ea typeface="Hei"/>
-                <a:cs typeface="Hei"/>
-              </a:rPr>
-              <a:t>会加入至队列中</a:t>
+              <a:t>创建任务后，会加入至队列中</a:t>
             </a:r>
             <a:endParaRPr lang="en-US" altLang="zh-CN" sz="3200" dirty="0" smtClean="0">
               <a:latin typeface="Hei"/>
@@ -9383,15 +9375,7 @@
                 <a:ea typeface="Hei"/>
                 <a:cs typeface="Hei"/>
               </a:rPr>
-              <a:t>创建微任务后，会在当前执行的任务末尾创建一个微任务队列，然后按顺序执</a:t>
-            </a:r>
-            <a:r>
-              <a:rPr lang="zh-CN" altLang="en-US" sz="3200" dirty="0" smtClean="0">
-                <a:latin typeface="Hei"/>
-                <a:ea typeface="Hei"/>
-                <a:cs typeface="Hei"/>
-              </a:rPr>
-              <a:t>行</a:t>
+              <a:t>创建微任务后，会在当前执行的任务末尾创建一个微任务队列，然后按顺序执行</a:t>
             </a:r>
             <a:endParaRPr lang="en-US" altLang="zh-CN" sz="3200" dirty="0" smtClean="0">
               <a:latin typeface="Hei"/>
@@ -10968,7 +10952,7 @@
               </a:rPr>
             </a:br>
             <a:r>
-              <a:rPr lang="en-US" u="sng" dirty="0">
+              <a:rPr lang="en-US" altLang="zh-CN" u="sng" dirty="0">
                 <a:solidFill>
                   <a:srgbClr val="1F497D"/>
                 </a:solidFill>
@@ -10976,10 +10960,10 @@
                 <a:ea typeface="Hei"/>
                 <a:cs typeface="Hei"/>
               </a:rPr>
-              <a:t>http://</a:t>
-            </a:r>
-            <a:r>
-              <a:rPr lang="en-US" u="sng" dirty="0" err="1">
+              <a:t>https://</a:t>
+            </a:r>
+            <a:r>
+              <a:rPr lang="en-US" altLang="zh-CN" u="sng" dirty="0" err="1">
                 <a:solidFill>
                   <a:srgbClr val="1F497D"/>
                 </a:solidFill>
@@ -10987,10 +10971,10 @@
                 <a:ea typeface="Hei"/>
                 <a:cs typeface="Hei"/>
               </a:rPr>
-              <a:t>git.dianpingoa.com</a:t>
-            </a:r>
-            <a:r>
-              <a:rPr lang="en-US" u="sng" dirty="0">
+              <a:t>github.com</a:t>
+            </a:r>
+            <a:r>
+              <a:rPr lang="en-US" altLang="zh-CN" u="sng" dirty="0">
                 <a:solidFill>
                   <a:srgbClr val="1F497D"/>
                 </a:solidFill>
@@ -10998,10 +10982,10 @@
                 <a:ea typeface="Hei"/>
                 <a:cs typeface="Hei"/>
               </a:rPr>
-              <a:t>/v1/</a:t>
-            </a:r>
-            <a:r>
-              <a:rPr lang="en-US" u="sng" dirty="0" err="1">
+              <a:t>/future-tech-learning-team/understand-</a:t>
+            </a:r>
+            <a:r>
+              <a:rPr lang="en-US" altLang="zh-CN" u="sng" dirty="0" err="1">
                 <a:solidFill>
                   <a:srgbClr val="1F497D"/>
                 </a:solidFill>
@@ -11009,10 +10993,10 @@
                 <a:ea typeface="Hei"/>
                 <a:cs typeface="Hei"/>
               </a:rPr>
-              <a:t>sh</a:t>
-            </a:r>
-            <a:r>
-              <a:rPr lang="en-US" u="sng" dirty="0">
+              <a:t>javascript</a:t>
+            </a:r>
+            <a:r>
+              <a:rPr lang="en-US" altLang="zh-CN" u="sng">
                 <a:solidFill>
                   <a:srgbClr val="1F497D"/>
                 </a:solidFill>
@@ -11020,31 +11004,9 @@
                 <a:ea typeface="Hei"/>
                 <a:cs typeface="Hei"/>
               </a:rPr>
-              <a:t>/projects/ADP/repos/understand-</a:t>
-            </a:r>
-            <a:r>
-              <a:rPr lang="en-US" u="sng" dirty="0" err="1">
-                <a:solidFill>
-                  <a:srgbClr val="1F497D"/>
-                </a:solidFill>
-                <a:latin typeface="Hei"/>
-                <a:ea typeface="Hei"/>
-                <a:cs typeface="Hei"/>
-              </a:rPr>
-              <a:t>javascript</a:t>
-            </a:r>
-            <a:r>
-              <a:rPr lang="en-US" u="sng" dirty="0">
-                <a:solidFill>
-                  <a:srgbClr val="1F497D"/>
-                </a:solidFill>
-                <a:latin typeface="Hei"/>
-                <a:ea typeface="Hei"/>
-                <a:cs typeface="Hei"/>
-              </a:rPr>
-              <a:t>-in-depth/browse</a:t>
-            </a:r>
-            <a:endParaRPr lang="en-US" sz="3200" b="0" i="0" u="sng" dirty="0">
+              <a:t>-in-depth</a:t>
+            </a:r>
+            <a:endParaRPr lang="en-US" altLang="zh-CN" u="sng" dirty="0">
               <a:solidFill>
                 <a:srgbClr val="1F497D"/>
               </a:solidFill>
